--- a/doc/meteorological_file_settings.pptx
+++ b/doc/meteorological_file_settings.pptx
@@ -115,6 +115,9 @@
     <p:ext uri="{EFAFB233-063F-42B5-8137-9DF3F51BA10A}">
       <p15:sldGuideLst xmlns:p15="http://schemas.microsoft.com/office/powerpoint/2012/main"/>
     </p:ext>
+    <p:ext uri="{2D200454-40CA-4A62-9FC3-DE9A4176ACB9}">
+      <p15:notesGuideLst xmlns:p15="http://schemas.microsoft.com/office/powerpoint/2012/main"/>
+    </p:ext>
   </p:extLst>
 </p:presentation>
 </file>
@@ -201,7 +204,7 @@
           <a:p>
             <a:fld id="{EE01325D-CFB9-49DB-94CB-D554C62EE6E5}" type="datetimeFigureOut">
               <a:rPr lang="en-US" smtClean="0"/>
-              <a:t>7/20/2019</a:t>
+              <a:t>7/27/2019</a:t>
             </a:fld>
             <a:endParaRPr lang="en-US"/>
           </a:p>
@@ -2618,7 +2621,7 @@
             <a:graphicData uri="http://schemas.openxmlformats.org/presentationml/2006/ole">
               <mc:AlternateContent xmlns:mc="http://schemas.openxmlformats.org/markup-compatibility/2006">
                 <mc:Choice xmlns:v="urn:schemas-microsoft-com:vml" Requires="v">
-                  <p:oleObj spid="_x0000_s1031" name="Packager Shell Object" showAsIcon="1" r:id="rId3" imgW="2092680" imgH="470160" progId="Package">
+                  <p:oleObj spid="_x0000_s1033" name="Packager Shell Object" showAsIcon="1" r:id="rId3" imgW="2092680" imgH="470160" progId="Package">
                     <p:embed/>
                   </p:oleObj>
                 </mc:Choice>
@@ -3432,7 +3435,7 @@
         </p:nvSpPr>
         <p:spPr>
           <a:xfrm>
-            <a:off x="206478" y="3431458"/>
+            <a:off x="136422" y="3171760"/>
             <a:ext cx="11779045" cy="1477328"/>
           </a:xfrm>
           <a:prstGeom prst="rect">
@@ -3534,6 +3537,10 @@
             <a:r>
               <a:rPr lang="en-US" dirty="0" err="1" smtClean="0"/>
               <a:t>nc</a:t>
+            </a:r>
+            <a:r>
+              <a:rPr lang="en-US" dirty="0" smtClean="0"/>
+              <a:t> and the variables must contain:</a:t>
             </a:r>
             <a:endParaRPr lang="en-US" dirty="0" smtClean="0"/>
           </a:p>
@@ -3547,29 +3554,44 @@
         </p:nvSpPr>
         <p:spPr>
           <a:xfrm>
-            <a:off x="344129" y="4631695"/>
-            <a:ext cx="5742040" cy="2308324"/>
-          </a:xfrm>
-          <a:prstGeom prst="rect">
-            <a:avLst/>
-          </a:prstGeom>
-        </p:spPr>
+            <a:off x="0" y="4664574"/>
+            <a:ext cx="5742040" cy="2123658"/>
+          </a:xfrm>
+          <a:prstGeom prst="rect">
+            <a:avLst/>
+          </a:prstGeom>
+        </p:spPr>
+        <p:style>
+          <a:lnRef idx="2">
+            <a:schemeClr val="accent1"/>
+          </a:lnRef>
+          <a:fillRef idx="1">
+            <a:schemeClr val="lt1"/>
+          </a:fillRef>
+          <a:effectRef idx="0">
+            <a:schemeClr val="accent1"/>
+          </a:effectRef>
+          <a:fontRef idx="minor">
+            <a:schemeClr val="dk1"/>
+          </a:fontRef>
+        </p:style>
         <p:txBody>
           <a:bodyPr wrap="square">
             <a:spAutoFit/>
           </a:bodyPr>
           <a:lstStyle/>
           <a:p>
-            <a:endParaRPr lang="en-US" sz="1200" dirty="0">
-              <a:latin typeface="Consolas" panose="020B0609020204030204" pitchFamily="49" charset="0"/>
-            </a:endParaRPr>
-          </a:p>
-          <a:p>
+            <a:r>
+              <a:rPr lang="en-US" sz="1200" dirty="0" smtClean="0">
+                <a:latin typeface="Consolas" panose="020B0609020204030204" pitchFamily="49" charset="0"/>
+              </a:rPr>
+              <a:t>% </a:t>
+            </a:r>
             <a:r>
               <a:rPr lang="en-US" sz="1200" dirty="0">
                 <a:latin typeface="Consolas" panose="020B0609020204030204" pitchFamily="49" charset="0"/>
               </a:rPr>
-              <a:t>% variables:</a:t>
+              <a:t>variables:</a:t>
             </a:r>
           </a:p>
           <a:p>
@@ -3774,35 +3796,150 @@
         </p:nvSpPr>
         <p:spPr>
           <a:xfrm>
-            <a:off x="5338916" y="4734342"/>
-            <a:ext cx="6096000" cy="2123658"/>
-          </a:xfrm>
-          <a:prstGeom prst="rect">
-            <a:avLst/>
-          </a:prstGeom>
-        </p:spPr>
+            <a:off x="5466932" y="4756907"/>
+            <a:ext cx="6096000" cy="1938992"/>
+          </a:xfrm>
+          <a:prstGeom prst="rect">
+            <a:avLst/>
+          </a:prstGeom>
+        </p:spPr>
+        <p:style>
+          <a:lnRef idx="2">
+            <a:schemeClr val="accent1"/>
+          </a:lnRef>
+          <a:fillRef idx="1">
+            <a:schemeClr val="lt1"/>
+          </a:fillRef>
+          <a:effectRef idx="0">
+            <a:schemeClr val="accent1"/>
+          </a:effectRef>
+          <a:fontRef idx="minor">
+            <a:schemeClr val="dk1"/>
+          </a:fontRef>
+        </p:style>
         <p:txBody>
           <a:bodyPr>
             <a:spAutoFit/>
           </a:bodyPr>
           <a:lstStyle/>
           <a:p>
-            <a:endParaRPr lang="en-US" sz="1200" dirty="0">
-              <a:latin typeface="Consolas" panose="020B0609020204030204" pitchFamily="49" charset="0"/>
-            </a:endParaRPr>
-          </a:p>
-          <a:p>
+            <a:r>
+              <a:rPr lang="en-US" sz="1200" dirty="0" smtClean="0">
+                <a:latin typeface="Consolas" panose="020B0609020204030204" pitchFamily="49" charset="0"/>
+              </a:rPr>
+              <a:t>% </a:t>
+            </a:r>
             <a:r>
               <a:rPr lang="en-US" sz="1200" dirty="0">
                 <a:latin typeface="Consolas" panose="020B0609020204030204" pitchFamily="49" charset="0"/>
               </a:rPr>
+              <a:t>double </a:t>
+            </a:r>
+            <a:r>
+              <a:rPr lang="en-US" sz="1200" b="1" dirty="0">
+                <a:latin typeface="Consolas" panose="020B0609020204030204" pitchFamily="49" charset="0"/>
+              </a:rPr>
+              <a:t>temperature</a:t>
+            </a:r>
+            <a:r>
+              <a:rPr lang="en-US" sz="1200" dirty="0">
+                <a:latin typeface="Consolas" panose="020B0609020204030204" pitchFamily="49" charset="0"/>
+              </a:rPr>
+              <a:t>(altitude=6728);</a:t>
+            </a:r>
+          </a:p>
+          <a:p>
+            <a:r>
+              <a:rPr lang="en-US" sz="1200" dirty="0">
+                <a:latin typeface="Consolas" panose="020B0609020204030204" pitchFamily="49" charset="0"/>
+              </a:rPr>
+              <a:t>% :unit = "degree </a:t>
+            </a:r>
+            <a:r>
+              <a:rPr lang="en-US" sz="1200" dirty="0" err="1">
+                <a:latin typeface="Consolas" panose="020B0609020204030204" pitchFamily="49" charset="0"/>
+              </a:rPr>
+              <a:t>celsius</a:t>
+            </a:r>
+            <a:r>
+              <a:rPr lang="en-US" sz="1200" dirty="0">
+                <a:latin typeface="Consolas" panose="020B0609020204030204" pitchFamily="49" charset="0"/>
+              </a:rPr>
+              <a:t>";</a:t>
+            </a:r>
+          </a:p>
+          <a:p>
+            <a:r>
+              <a:rPr lang="en-US" sz="1200" dirty="0">
+                <a:latin typeface="Consolas" panose="020B0609020204030204" pitchFamily="49" charset="0"/>
+              </a:rPr>
+              <a:t>% :</a:t>
+            </a:r>
+            <a:r>
+              <a:rPr lang="en-US" sz="1200" dirty="0" err="1">
+                <a:latin typeface="Consolas" panose="020B0609020204030204" pitchFamily="49" charset="0"/>
+              </a:rPr>
+              <a:t>long_name</a:t>
+            </a:r>
+            <a:r>
+              <a:rPr lang="en-US" sz="1200" dirty="0">
+                <a:latin typeface="Consolas" panose="020B0609020204030204" pitchFamily="49" charset="0"/>
+              </a:rPr>
+              <a:t> = "air temperature";</a:t>
+            </a:r>
+          </a:p>
+          <a:p>
+            <a:r>
+              <a:rPr lang="en-US" sz="1200" dirty="0">
+                <a:latin typeface="Consolas" panose="020B0609020204030204" pitchFamily="49" charset="0"/>
+              </a:rPr>
+              <a:t>% :</a:t>
+            </a:r>
+            <a:r>
+              <a:rPr lang="en-US" sz="1200" dirty="0" err="1">
+                <a:latin typeface="Consolas" panose="020B0609020204030204" pitchFamily="49" charset="0"/>
+              </a:rPr>
+              <a:t>standard_name</a:t>
+            </a:r>
+            <a:r>
+              <a:rPr lang="en-US" sz="1200" dirty="0">
+                <a:latin typeface="Consolas" panose="020B0609020204030204" pitchFamily="49" charset="0"/>
+              </a:rPr>
+              <a:t> = "temperature";</a:t>
+            </a:r>
+          </a:p>
+          <a:p>
+            <a:r>
+              <a:rPr lang="en-US" sz="1200" dirty="0">
+                <a:latin typeface="Consolas" panose="020B0609020204030204" pitchFamily="49" charset="0"/>
+              </a:rPr>
+              <a:t>% :_</a:t>
+            </a:r>
+            <a:r>
+              <a:rPr lang="en-US" sz="1200" dirty="0" err="1">
+                <a:latin typeface="Consolas" panose="020B0609020204030204" pitchFamily="49" charset="0"/>
+              </a:rPr>
+              <a:t>FillValue</a:t>
+            </a:r>
+            <a:r>
+              <a:rPr lang="en-US" sz="1200" dirty="0">
+                <a:latin typeface="Consolas" panose="020B0609020204030204" pitchFamily="49" charset="0"/>
+              </a:rPr>
+              <a:t> = -999.0; // double</a:t>
+            </a:r>
+          </a:p>
+          <a:p>
+            <a:r>
+              <a:rPr lang="en-US" sz="1200" dirty="0">
+                <a:latin typeface="Consolas" panose="020B0609020204030204" pitchFamily="49" charset="0"/>
+              </a:rPr>
               <a:t>% double </a:t>
             </a:r>
             <a:r>
               <a:rPr lang="en-US" sz="1200" b="1" dirty="0">
                 <a:latin typeface="Consolas" panose="020B0609020204030204" pitchFamily="49" charset="0"/>
               </a:rPr>
-              <a:t>temperature</a:t>
+              <a:t>RH</a:t>
             </a:r>
             <a:r>
               <a:rPr lang="en-US" sz="1200" dirty="0">
@@ -3816,19 +3953,27 @@
               <a:rPr lang="en-US" sz="1200" dirty="0">
                 <a:latin typeface="Consolas" panose="020B0609020204030204" pitchFamily="49" charset="0"/>
               </a:rPr>
-              <a:t>% :unit = "degree </a:t>
+              <a:t>% :unit = "%";</a:t>
+            </a:r>
+          </a:p>
+          <a:p>
+            <a:r>
+              <a:rPr lang="en-US" sz="1200" dirty="0">
+                <a:latin typeface="Consolas" panose="020B0609020204030204" pitchFamily="49" charset="0"/>
+              </a:rPr>
+              <a:t>% :</a:t>
             </a:r>
             <a:r>
               <a:rPr lang="en-US" sz="1200" dirty="0" err="1">
                 <a:latin typeface="Consolas" panose="020B0609020204030204" pitchFamily="49" charset="0"/>
               </a:rPr>
-              <a:t>celsius</a:t>
+              <a:t>long_name</a:t>
             </a:r>
             <a:r>
               <a:rPr lang="en-US" sz="1200" dirty="0">
                 <a:latin typeface="Consolas" panose="020B0609020204030204" pitchFamily="49" charset="0"/>
               </a:rPr>
-              <a:t>";</a:t>
+              <a:t> = "relative humidity";</a:t>
             </a:r>
           </a:p>
           <a:p>
@@ -3842,13 +3987,13 @@
               <a:rPr lang="en-US" sz="1200" dirty="0" err="1">
                 <a:latin typeface="Consolas" panose="020B0609020204030204" pitchFamily="49" charset="0"/>
               </a:rPr>
-              <a:t>long_name</a:t>
+              <a:t>standard_name</a:t>
             </a:r>
             <a:r>
               <a:rPr lang="en-US" sz="1200" dirty="0">
                 <a:latin typeface="Consolas" panose="020B0609020204030204" pitchFamily="49" charset="0"/>
               </a:rPr>
-              <a:t> = "air temperature";</a:t>
+              <a:t> = "RH";</a:t>
             </a:r>
           </a:p>
           <a:p>
@@ -3856,131 +4001,20 @@
               <a:rPr lang="en-US" sz="1200" dirty="0">
                 <a:latin typeface="Consolas" panose="020B0609020204030204" pitchFamily="49" charset="0"/>
               </a:rPr>
-              <a:t>% :</a:t>
+              <a:t>% :_</a:t>
             </a:r>
             <a:r>
               <a:rPr lang="en-US" sz="1200" dirty="0" err="1">
                 <a:latin typeface="Consolas" panose="020B0609020204030204" pitchFamily="49" charset="0"/>
               </a:rPr>
-              <a:t>standard_name</a:t>
+              <a:t>FillValue</a:t>
             </a:r>
             <a:r>
               <a:rPr lang="en-US" sz="1200" dirty="0">
                 <a:latin typeface="Consolas" panose="020B0609020204030204" pitchFamily="49" charset="0"/>
               </a:rPr>
-              <a:t> = "temperature";</a:t>
-            </a:r>
-          </a:p>
-          <a:p>
-            <a:r>
-              <a:rPr lang="en-US" sz="1200" dirty="0">
-                <a:latin typeface="Consolas" panose="020B0609020204030204" pitchFamily="49" charset="0"/>
-              </a:rPr>
-              <a:t>% :_</a:t>
-            </a:r>
-            <a:r>
-              <a:rPr lang="en-US" sz="1200" dirty="0" err="1">
-                <a:latin typeface="Consolas" panose="020B0609020204030204" pitchFamily="49" charset="0"/>
-              </a:rPr>
-              <a:t>FillValue</a:t>
-            </a:r>
-            <a:r>
-              <a:rPr lang="en-US" sz="1200" dirty="0">
-                <a:latin typeface="Consolas" panose="020B0609020204030204" pitchFamily="49" charset="0"/>
-              </a:rPr>
               <a:t> = -999.0; // double</a:t>
             </a:r>
-          </a:p>
-          <a:p>
-            <a:r>
-              <a:rPr lang="en-US" sz="1200" dirty="0">
-                <a:latin typeface="Consolas" panose="020B0609020204030204" pitchFamily="49" charset="0"/>
-              </a:rPr>
-              <a:t>% double </a:t>
-            </a:r>
-            <a:r>
-              <a:rPr lang="en-US" sz="1200" b="1" dirty="0">
-                <a:latin typeface="Consolas" panose="020B0609020204030204" pitchFamily="49" charset="0"/>
-              </a:rPr>
-              <a:t>RH</a:t>
-            </a:r>
-            <a:r>
-              <a:rPr lang="en-US" sz="1200" dirty="0">
-                <a:latin typeface="Consolas" panose="020B0609020204030204" pitchFamily="49" charset="0"/>
-              </a:rPr>
-              <a:t>(altitude=6728);</a:t>
-            </a:r>
-          </a:p>
-          <a:p>
-            <a:r>
-              <a:rPr lang="en-US" sz="1200" dirty="0">
-                <a:latin typeface="Consolas" panose="020B0609020204030204" pitchFamily="49" charset="0"/>
-              </a:rPr>
-              <a:t>% :unit = "%";</a:t>
-            </a:r>
-          </a:p>
-          <a:p>
-            <a:r>
-              <a:rPr lang="en-US" sz="1200" dirty="0">
-                <a:latin typeface="Consolas" panose="020B0609020204030204" pitchFamily="49" charset="0"/>
-              </a:rPr>
-              <a:t>% :</a:t>
-            </a:r>
-            <a:r>
-              <a:rPr lang="en-US" sz="1200" dirty="0" err="1">
-                <a:latin typeface="Consolas" panose="020B0609020204030204" pitchFamily="49" charset="0"/>
-              </a:rPr>
-              <a:t>long_name</a:t>
-            </a:r>
-            <a:r>
-              <a:rPr lang="en-US" sz="1200" dirty="0">
-                <a:latin typeface="Consolas" panose="020B0609020204030204" pitchFamily="49" charset="0"/>
-              </a:rPr>
-              <a:t> = "relative humidity";</a:t>
-            </a:r>
-          </a:p>
-          <a:p>
-            <a:r>
-              <a:rPr lang="en-US" sz="1200" dirty="0">
-                <a:latin typeface="Consolas" panose="020B0609020204030204" pitchFamily="49" charset="0"/>
-              </a:rPr>
-              <a:t>% :</a:t>
-            </a:r>
-            <a:r>
-              <a:rPr lang="en-US" sz="1200" dirty="0" err="1">
-                <a:latin typeface="Consolas" panose="020B0609020204030204" pitchFamily="49" charset="0"/>
-              </a:rPr>
-              <a:t>standard_name</a:t>
-            </a:r>
-            <a:r>
-              <a:rPr lang="en-US" sz="1200" dirty="0">
-                <a:latin typeface="Consolas" panose="020B0609020204030204" pitchFamily="49" charset="0"/>
-              </a:rPr>
-              <a:t> = "RH";</a:t>
-            </a:r>
-          </a:p>
-          <a:p>
-            <a:r>
-              <a:rPr lang="en-US" sz="1200" dirty="0">
-                <a:latin typeface="Consolas" panose="020B0609020204030204" pitchFamily="49" charset="0"/>
-              </a:rPr>
-              <a:t>% :_</a:t>
-            </a:r>
-            <a:r>
-              <a:rPr lang="en-US" sz="1200" dirty="0" err="1">
-                <a:latin typeface="Consolas" panose="020B0609020204030204" pitchFamily="49" charset="0"/>
-              </a:rPr>
-              <a:t>FillValue</a:t>
-            </a:r>
-            <a:r>
-              <a:rPr lang="en-US" sz="1200" dirty="0">
-                <a:latin typeface="Consolas" panose="020B0609020204030204" pitchFamily="49" charset="0"/>
-              </a:rPr>
-              <a:t> = -999.0; // double</a:t>
-            </a:r>
-            <a:endParaRPr lang="en-US" sz="1200" dirty="0">
-              <a:latin typeface="Consolas" panose="020B0609020204030204" pitchFamily="49" charset="0"/>
-            </a:endParaRPr>
           </a:p>
         </p:txBody>
       </p:sp>
